--- a/RaciocinioAlgoritmico/Tópico 04 - Estruturas de Repetição (While)/Tópico 04 - Estruturas de Repetição (While).pptx
+++ b/RaciocinioAlgoritmico/Tópico 04 - Estruturas de Repetição (While)/Tópico 04 - Estruturas de Repetição (While).pptx
@@ -302,7 +302,7 @@
             <a:pPr algn="r">
               <a:buNone/>
             </a:pPr>
-            <a:fld id="{F9ED24E3-3FF6-4176-8725-557F30F1BC2F}" type="slidenum">
+            <a:fld id="{1B903D20-A173-4C75-8FEB-D6748CB7F59F}" type="slidenum">
               <a:rPr b="0" lang="pt-BR" sz="1400" spc="-1" strike="noStrike">
                 <a:latin typeface="Times New Roman"/>
               </a:rPr>
@@ -350,7 +350,7 @@
         <p:spPr>
           <a:xfrm>
             <a:off x="1498680" y="1200240"/>
-            <a:ext cx="4309560" cy="3231720"/>
+            <a:ext cx="4309200" cy="3231360"/>
           </a:xfrm>
           <a:prstGeom prst="rect">
             <a:avLst/>
@@ -373,7 +373,7 @@
         <p:spPr>
           <a:xfrm>
             <a:off x="731520" y="4620240"/>
-            <a:ext cx="5842440" cy="3771360"/>
+            <a:ext cx="5842080" cy="3771000"/>
           </a:xfrm>
           <a:prstGeom prst="rect">
             <a:avLst/>
@@ -403,7 +403,7 @@
         <p:spPr>
           <a:xfrm>
             <a:off x="0" y="9119520"/>
-            <a:ext cx="3160440" cy="472680"/>
+            <a:ext cx="3160080" cy="472320"/>
           </a:xfrm>
           <a:prstGeom prst="rect">
             <a:avLst/>
@@ -481,7 +481,7 @@
         <p:spPr>
           <a:xfrm>
             <a:off x="1498680" y="1200240"/>
-            <a:ext cx="4309560" cy="3231720"/>
+            <a:ext cx="4309200" cy="3231360"/>
           </a:xfrm>
           <a:prstGeom prst="rect">
             <a:avLst/>
@@ -504,7 +504,7 @@
         <p:spPr>
           <a:xfrm>
             <a:off x="731520" y="4620240"/>
-            <a:ext cx="5842080" cy="3771000"/>
+            <a:ext cx="5841720" cy="3770640"/>
           </a:xfrm>
           <a:prstGeom prst="rect">
             <a:avLst/>
@@ -534,7 +534,7 @@
         <p:spPr>
           <a:xfrm>
             <a:off x="0" y="9119520"/>
-            <a:ext cx="3160080" cy="472320"/>
+            <a:ext cx="3159720" cy="471960"/>
           </a:xfrm>
           <a:prstGeom prst="rect">
             <a:avLst/>
@@ -612,7 +612,7 @@
         <p:spPr>
           <a:xfrm>
             <a:off x="1498680" y="1200240"/>
-            <a:ext cx="4309560" cy="3231720"/>
+            <a:ext cx="4309200" cy="3231360"/>
           </a:xfrm>
           <a:prstGeom prst="rect">
             <a:avLst/>
@@ -635,7 +635,7 @@
         <p:spPr>
           <a:xfrm>
             <a:off x="731520" y="4620240"/>
-            <a:ext cx="5842080" cy="3771000"/>
+            <a:ext cx="5841720" cy="3770640"/>
           </a:xfrm>
           <a:prstGeom prst="rect">
             <a:avLst/>
@@ -665,7 +665,7 @@
         <p:spPr>
           <a:xfrm>
             <a:off x="0" y="9119520"/>
-            <a:ext cx="3160080" cy="472320"/>
+            <a:ext cx="3159720" cy="471960"/>
           </a:xfrm>
           <a:prstGeom prst="rect">
             <a:avLst/>
@@ -743,7 +743,7 @@
         <p:spPr>
           <a:xfrm>
             <a:off x="1498680" y="1200240"/>
-            <a:ext cx="4309560" cy="3231720"/>
+            <a:ext cx="4309200" cy="3231360"/>
           </a:xfrm>
           <a:prstGeom prst="rect">
             <a:avLst/>
@@ -766,7 +766,7 @@
         <p:spPr>
           <a:xfrm>
             <a:off x="731520" y="4620240"/>
-            <a:ext cx="5842440" cy="3771360"/>
+            <a:ext cx="5842080" cy="3771000"/>
           </a:xfrm>
           <a:prstGeom prst="rect">
             <a:avLst/>
@@ -796,7 +796,7 @@
         <p:spPr>
           <a:xfrm>
             <a:off x="0" y="9119520"/>
-            <a:ext cx="3160440" cy="472680"/>
+            <a:ext cx="3160080" cy="472320"/>
           </a:xfrm>
           <a:prstGeom prst="rect">
             <a:avLst/>
@@ -874,7 +874,7 @@
         <p:spPr>
           <a:xfrm>
             <a:off x="1498680" y="1200240"/>
-            <a:ext cx="4309560" cy="3231720"/>
+            <a:ext cx="4309200" cy="3231360"/>
           </a:xfrm>
           <a:prstGeom prst="rect">
             <a:avLst/>
@@ -897,7 +897,7 @@
         <p:spPr>
           <a:xfrm>
             <a:off x="731520" y="4620240"/>
-            <a:ext cx="5842440" cy="3771360"/>
+            <a:ext cx="5842080" cy="3771000"/>
           </a:xfrm>
           <a:prstGeom prst="rect">
             <a:avLst/>
@@ -927,7 +927,7 @@
         <p:spPr>
           <a:xfrm>
             <a:off x="0" y="9119520"/>
-            <a:ext cx="3160440" cy="472680"/>
+            <a:ext cx="3160080" cy="472320"/>
           </a:xfrm>
           <a:prstGeom prst="rect">
             <a:avLst/>
@@ -1005,7 +1005,7 @@
         <p:spPr>
           <a:xfrm>
             <a:off x="1498680" y="1200240"/>
-            <a:ext cx="4309560" cy="3231720"/>
+            <a:ext cx="4309200" cy="3231360"/>
           </a:xfrm>
           <a:prstGeom prst="rect">
             <a:avLst/>
@@ -1028,7 +1028,7 @@
         <p:spPr>
           <a:xfrm>
             <a:off x="731520" y="4620240"/>
-            <a:ext cx="5842440" cy="3771360"/>
+            <a:ext cx="5842080" cy="3771000"/>
           </a:xfrm>
           <a:prstGeom prst="rect">
             <a:avLst/>
@@ -1058,7 +1058,7 @@
         <p:spPr>
           <a:xfrm>
             <a:off x="0" y="9119520"/>
-            <a:ext cx="3160440" cy="472680"/>
+            <a:ext cx="3160080" cy="472320"/>
           </a:xfrm>
           <a:prstGeom prst="rect">
             <a:avLst/>
@@ -1136,7 +1136,7 @@
         <p:spPr>
           <a:xfrm>
             <a:off x="1498680" y="1200240"/>
-            <a:ext cx="4309560" cy="3231720"/>
+            <a:ext cx="4309200" cy="3231360"/>
           </a:xfrm>
           <a:prstGeom prst="rect">
             <a:avLst/>
@@ -1159,7 +1159,7 @@
         <p:spPr>
           <a:xfrm>
             <a:off x="731520" y="4620240"/>
-            <a:ext cx="5842440" cy="3771360"/>
+            <a:ext cx="5842080" cy="3771000"/>
           </a:xfrm>
           <a:prstGeom prst="rect">
             <a:avLst/>
@@ -1189,7 +1189,7 @@
         <p:spPr>
           <a:xfrm>
             <a:off x="0" y="9119520"/>
-            <a:ext cx="3160440" cy="472680"/>
+            <a:ext cx="3160080" cy="472320"/>
           </a:xfrm>
           <a:prstGeom prst="rect">
             <a:avLst/>
@@ -1267,7 +1267,7 @@
         <p:spPr>
           <a:xfrm>
             <a:off x="1498680" y="1200240"/>
-            <a:ext cx="4309560" cy="3231720"/>
+            <a:ext cx="4309200" cy="3231360"/>
           </a:xfrm>
           <a:prstGeom prst="rect">
             <a:avLst/>
@@ -1290,7 +1290,7 @@
         <p:spPr>
           <a:xfrm>
             <a:off x="731520" y="4620240"/>
-            <a:ext cx="5842440" cy="3771360"/>
+            <a:ext cx="5842080" cy="3771000"/>
           </a:xfrm>
           <a:prstGeom prst="rect">
             <a:avLst/>
@@ -1320,7 +1320,7 @@
         <p:spPr>
           <a:xfrm>
             <a:off x="0" y="9119520"/>
-            <a:ext cx="3160440" cy="472680"/>
+            <a:ext cx="3160080" cy="472320"/>
           </a:xfrm>
           <a:prstGeom prst="rect">
             <a:avLst/>
@@ -1398,7 +1398,7 @@
         <p:spPr>
           <a:xfrm>
             <a:off x="1376280" y="1336680"/>
-            <a:ext cx="4798440" cy="3598200"/>
+            <a:ext cx="4798080" cy="3597840"/>
           </a:xfrm>
           <a:prstGeom prst="rect">
             <a:avLst/>
@@ -1421,7 +1421,7 @@
         <p:spPr>
           <a:xfrm>
             <a:off x="756000" y="5145120"/>
-            <a:ext cx="6037920" cy="4200120"/>
+            <a:ext cx="6037560" cy="4199760"/>
           </a:xfrm>
           <a:prstGeom prst="rect">
             <a:avLst/>
@@ -1451,7 +1451,7 @@
         <p:spPr>
           <a:xfrm>
             <a:off x="0" y="10155240"/>
-            <a:ext cx="3266280" cy="526680"/>
+            <a:ext cx="3265920" cy="526320"/>
           </a:xfrm>
           <a:prstGeom prst="rect">
             <a:avLst/>
@@ -6104,7 +6104,7 @@
         <p:spPr>
           <a:xfrm>
             <a:off x="0" y="3150000"/>
-            <a:ext cx="9710280" cy="1250280"/>
+            <a:ext cx="9709920" cy="1249920"/>
           </a:xfrm>
           <a:prstGeom prst="rect">
             <a:avLst/>
@@ -6402,7 +6402,7 @@
         <p:spPr>
           <a:xfrm>
             <a:off x="0" y="180000"/>
-            <a:ext cx="9709920" cy="1249920"/>
+            <a:ext cx="9709560" cy="1249560"/>
           </a:xfrm>
           <a:prstGeom prst="rect">
             <a:avLst/>
@@ -6430,7 +6430,7 @@
         <p:spPr>
           <a:xfrm>
             <a:off x="7560000" y="6840000"/>
-            <a:ext cx="2509920" cy="529920"/>
+            <a:ext cx="2509560" cy="529560"/>
           </a:xfrm>
           <a:prstGeom prst="rect">
             <a:avLst/>
@@ -6458,7 +6458,7 @@
         <p:spPr>
           <a:xfrm>
             <a:off x="900000" y="6840000"/>
-            <a:ext cx="6469920" cy="529920"/>
+            <a:ext cx="6469560" cy="529560"/>
           </a:xfrm>
           <a:prstGeom prst="rect">
             <a:avLst/>
@@ -6486,7 +6486,7 @@
         <p:spPr>
           <a:xfrm>
             <a:off x="180000" y="6840000"/>
-            <a:ext cx="529920" cy="529920"/>
+            <a:ext cx="529560" cy="529560"/>
           </a:xfrm>
           <a:prstGeom prst="rect">
             <a:avLst/>
@@ -6782,7 +6782,7 @@
         <p:spPr>
           <a:xfrm>
             <a:off x="0" y="180000"/>
-            <a:ext cx="9710280" cy="1250280"/>
+            <a:ext cx="9709920" cy="1249920"/>
           </a:xfrm>
           <a:prstGeom prst="rect">
             <a:avLst/>
@@ -6810,7 +6810,7 @@
         <p:spPr>
           <a:xfrm>
             <a:off x="7560000" y="6840000"/>
-            <a:ext cx="2510280" cy="530280"/>
+            <a:ext cx="2509920" cy="529920"/>
           </a:xfrm>
           <a:prstGeom prst="rect">
             <a:avLst/>
@@ -6838,7 +6838,7 @@
         <p:spPr>
           <a:xfrm>
             <a:off x="900000" y="6840000"/>
-            <a:ext cx="6470280" cy="530280"/>
+            <a:ext cx="6469920" cy="529920"/>
           </a:xfrm>
           <a:prstGeom prst="rect">
             <a:avLst/>
@@ -6866,7 +6866,7 @@
         <p:spPr>
           <a:xfrm>
             <a:off x="180000" y="6840000"/>
-            <a:ext cx="530280" cy="530280"/>
+            <a:ext cx="529920" cy="529920"/>
           </a:xfrm>
           <a:prstGeom prst="rect">
             <a:avLst/>
@@ -7155,7 +7155,7 @@
         <p:spPr>
           <a:xfrm>
             <a:off x="360000" y="3330000"/>
-            <a:ext cx="9350280" cy="890280"/>
+            <a:ext cx="9349920" cy="889920"/>
           </a:xfrm>
           <a:prstGeom prst="rect">
             <a:avLst/>
@@ -7207,7 +7207,7 @@
         <p:spPr>
           <a:xfrm>
             <a:off x="540000" y="4680000"/>
-            <a:ext cx="9170280" cy="2510280"/>
+            <a:ext cx="9169920" cy="2509920"/>
           </a:xfrm>
           <a:prstGeom prst="rect">
             <a:avLst/>
@@ -7344,7 +7344,7 @@
         <p:spPr>
           <a:xfrm>
             <a:off x="360000" y="360000"/>
-            <a:ext cx="9349920" cy="889920"/>
+            <a:ext cx="9349560" cy="889560"/>
           </a:xfrm>
           <a:prstGeom prst="rect">
             <a:avLst/>
@@ -7396,7 +7396,7 @@
         <p:spPr>
           <a:xfrm>
             <a:off x="360000" y="1980000"/>
-            <a:ext cx="9169920" cy="4669920"/>
+            <a:ext cx="9169560" cy="4669560"/>
           </a:xfrm>
           <a:prstGeom prst="rect">
             <a:avLst/>
@@ -7528,7 +7528,7 @@
         <p:spPr>
           <a:xfrm>
             <a:off x="897120" y="6886080"/>
-            <a:ext cx="6437160" cy="354960"/>
+            <a:ext cx="6436800" cy="354600"/>
           </a:xfrm>
           <a:prstGeom prst="rect">
             <a:avLst/>
@@ -7580,7 +7580,7 @@
         <p:spPr>
           <a:xfrm>
             <a:off x="7608600" y="6886080"/>
-            <a:ext cx="2275200" cy="354960"/>
+            <a:ext cx="2274840" cy="354600"/>
           </a:xfrm>
           <a:prstGeom prst="rect">
             <a:avLst/>
@@ -7636,7 +7636,7 @@
         <p:spPr>
           <a:xfrm>
             <a:off x="2471040" y="3534120"/>
-            <a:ext cx="5268960" cy="1865880"/>
+            <a:ext cx="5268600" cy="1865520"/>
           </a:xfrm>
           <a:prstGeom prst="rect">
             <a:avLst/>
@@ -7655,7 +7655,7 @@
         <p:spPr>
           <a:xfrm>
             <a:off x="2912040" y="5106600"/>
-            <a:ext cx="293400" cy="293400"/>
+            <a:ext cx="293040" cy="293040"/>
           </a:xfrm>
           <a:prstGeom prst="ellipse">
             <a:avLst/>
@@ -7685,7 +7685,7 @@
         <p:spPr>
           <a:xfrm>
             <a:off x="2471040" y="5106600"/>
-            <a:ext cx="293400" cy="293400"/>
+            <a:ext cx="293040" cy="293040"/>
           </a:xfrm>
           <a:prstGeom prst="ellipse">
             <a:avLst/>
@@ -7715,7 +7715,7 @@
         <p:spPr>
           <a:xfrm>
             <a:off x="3376800" y="5106600"/>
-            <a:ext cx="293400" cy="293400"/>
+            <a:ext cx="293040" cy="293040"/>
           </a:xfrm>
           <a:prstGeom prst="ellipse">
             <a:avLst/>
@@ -7745,7 +7745,7 @@
         <p:spPr>
           <a:xfrm>
             <a:off x="3808800" y="5106600"/>
-            <a:ext cx="293400" cy="293400"/>
+            <a:ext cx="293040" cy="293040"/>
           </a:xfrm>
           <a:prstGeom prst="ellipse">
             <a:avLst/>
@@ -7805,7 +7805,7 @@
         <p:spPr>
           <a:xfrm>
             <a:off x="360000" y="360000"/>
-            <a:ext cx="9349920" cy="889920"/>
+            <a:ext cx="9349560" cy="889560"/>
           </a:xfrm>
           <a:prstGeom prst="rect">
             <a:avLst/>
@@ -7857,7 +7857,7 @@
         <p:spPr>
           <a:xfrm>
             <a:off x="360000" y="1980000"/>
-            <a:ext cx="9169920" cy="4669920"/>
+            <a:ext cx="9169560" cy="4669560"/>
           </a:xfrm>
           <a:prstGeom prst="rect">
             <a:avLst/>
@@ -8117,7 +8117,7 @@
         <p:spPr>
           <a:xfrm>
             <a:off x="897120" y="6886080"/>
-            <a:ext cx="6437160" cy="354960"/>
+            <a:ext cx="6436800" cy="354600"/>
           </a:xfrm>
           <a:prstGeom prst="rect">
             <a:avLst/>
@@ -8169,7 +8169,7 @@
         <p:spPr>
           <a:xfrm>
             <a:off x="7608600" y="6886080"/>
-            <a:ext cx="2275200" cy="354960"/>
+            <a:ext cx="2274840" cy="354600"/>
           </a:xfrm>
           <a:prstGeom prst="rect">
             <a:avLst/>
@@ -8251,7 +8251,7 @@
         <p:spPr>
           <a:xfrm>
             <a:off x="360000" y="360000"/>
-            <a:ext cx="9350280" cy="890280"/>
+            <a:ext cx="9349920" cy="889920"/>
           </a:xfrm>
           <a:prstGeom prst="rect">
             <a:avLst/>
@@ -8303,7 +8303,7 @@
         <p:spPr>
           <a:xfrm>
             <a:off x="897120" y="6886080"/>
-            <a:ext cx="6437520" cy="355320"/>
+            <a:ext cx="6437160" cy="354960"/>
           </a:xfrm>
           <a:prstGeom prst="rect">
             <a:avLst/>
@@ -8355,7 +8355,7 @@
         <p:spPr>
           <a:xfrm>
             <a:off x="7608600" y="6886080"/>
-            <a:ext cx="2275560" cy="355320"/>
+            <a:ext cx="2275200" cy="354960"/>
           </a:xfrm>
           <a:prstGeom prst="rect">
             <a:avLst/>
@@ -8407,7 +8407,7 @@
         <p:spPr>
           <a:xfrm>
             <a:off x="4328280" y="3204000"/>
-            <a:ext cx="3380040" cy="358560"/>
+            <a:ext cx="3379680" cy="358200"/>
           </a:xfrm>
           <a:prstGeom prst="rect">
             <a:avLst/>
@@ -8432,8 +8432,8 @@
         </p:nvSpPr>
         <p:spPr>
           <a:xfrm flipH="1" rot="10800000">
-            <a:off x="17998920" y="11130480"/>
-            <a:ext cx="697680" cy="354240"/>
+            <a:off x="17998560" y="11130840"/>
+            <a:ext cx="697320" cy="353880"/>
           </a:xfrm>
           <a:prstGeom prst="bentUpArrow">
             <a:avLst>
@@ -8467,8 +8467,8 @@
         </p:nvSpPr>
         <p:spPr>
           <a:xfrm rot="10800000">
-            <a:off x="16094880" y="11130480"/>
-            <a:ext cx="734040" cy="354240"/>
+            <a:off x="16095240" y="11130840"/>
+            <a:ext cx="733680" cy="353880"/>
           </a:xfrm>
           <a:prstGeom prst="bentUpArrow">
             <a:avLst>
@@ -8503,7 +8503,7 @@
         <p:spPr>
           <a:xfrm>
             <a:off x="360000" y="1705680"/>
-            <a:ext cx="9170280" cy="4670280"/>
+            <a:ext cx="9169920" cy="4669920"/>
           </a:xfrm>
           <a:prstGeom prst="rect">
             <a:avLst/>
@@ -8803,7 +8803,7 @@
         <p:spPr>
           <a:xfrm>
             <a:off x="5248440" y="3972240"/>
-            <a:ext cx="2079720" cy="1080720"/>
+            <a:ext cx="2079360" cy="1080360"/>
           </a:xfrm>
           <a:prstGeom prst="diamond">
             <a:avLst/>
@@ -8867,7 +8867,7 @@
         <p:spPr>
           <a:xfrm>
             <a:off x="5401080" y="5508720"/>
-            <a:ext cx="1773720" cy="479160"/>
+            <a:ext cx="1773360" cy="478800"/>
           </a:xfrm>
           <a:prstGeom prst="flowChartPredefinedProcess">
             <a:avLst/>
@@ -8931,7 +8931,7 @@
         <p:spPr>
           <a:xfrm>
             <a:off x="6289200" y="5055120"/>
-            <a:ext cx="360" cy="451440"/>
+            <a:ext cx="360" cy="451080"/>
           </a:xfrm>
           <a:custGeom>
             <a:avLst/>
@@ -8978,8 +8978,8 @@
         </p:nvSpPr>
         <p:spPr>
           <a:xfrm rot="10800000">
-            <a:off x="5250240" y="4515840"/>
-            <a:ext cx="150840" cy="1233360"/>
+            <a:off x="5250600" y="4516200"/>
+            <a:ext cx="150480" cy="1233000"/>
           </a:xfrm>
           <a:prstGeom prst="bentConnector3">
             <a:avLst>
@@ -9081,8 +9081,8 @@
         </p:nvSpPr>
         <p:spPr>
           <a:xfrm flipH="1">
-            <a:off x="4643280" y="6290640"/>
-            <a:ext cx="3240000" cy="360"/>
+            <a:off x="4642560" y="6290640"/>
+            <a:ext cx="3239640" cy="360"/>
           </a:xfrm>
           <a:custGeom>
             <a:avLst/>
@@ -9130,7 +9130,7 @@
         <p:spPr>
           <a:xfrm>
             <a:off x="4580280" y="3204000"/>
-            <a:ext cx="63000" cy="3535200"/>
+            <a:ext cx="62640" cy="3534840"/>
           </a:xfrm>
           <a:prstGeom prst="downArrow">
             <a:avLst>
@@ -9171,7 +9171,7 @@
         <p:spPr>
           <a:xfrm>
             <a:off x="6395040" y="5070240"/>
-            <a:ext cx="648360" cy="333000"/>
+            <a:ext cx="648000" cy="333000"/>
           </a:xfrm>
           <a:prstGeom prst="rect">
             <a:avLst/>
@@ -9223,7 +9223,7 @@
         <p:spPr>
           <a:xfrm>
             <a:off x="7236720" y="4122000"/>
-            <a:ext cx="746640" cy="333000"/>
+            <a:ext cx="746280" cy="333000"/>
           </a:xfrm>
           <a:prstGeom prst="rect">
             <a:avLst/>
@@ -9275,7 +9275,7 @@
         <p:spPr>
           <a:xfrm>
             <a:off x="3980520" y="2868840"/>
-            <a:ext cx="1795320" cy="333000"/>
+            <a:ext cx="1794960" cy="333000"/>
           </a:xfrm>
           <a:prstGeom prst="rect">
             <a:avLst/>
@@ -9327,7 +9327,7 @@
         <p:spPr>
           <a:xfrm>
             <a:off x="4613040" y="3696480"/>
-            <a:ext cx="1674000" cy="273600"/>
+            <a:ext cx="1673640" cy="273240"/>
           </a:xfrm>
           <a:prstGeom prst="bentConnector2">
             <a:avLst/>
@@ -9392,7 +9392,7 @@
         <p:spPr>
           <a:xfrm>
             <a:off x="360000" y="360000"/>
-            <a:ext cx="9350280" cy="890280"/>
+            <a:ext cx="9349920" cy="889920"/>
           </a:xfrm>
           <a:prstGeom prst="rect">
             <a:avLst/>
@@ -9444,7 +9444,7 @@
         <p:spPr>
           <a:xfrm>
             <a:off x="897120" y="6886080"/>
-            <a:ext cx="6437520" cy="355320"/>
+            <a:ext cx="6437160" cy="354960"/>
           </a:xfrm>
           <a:prstGeom prst="rect">
             <a:avLst/>
@@ -9496,7 +9496,7 @@
         <p:spPr>
           <a:xfrm>
             <a:off x="7608600" y="6886080"/>
-            <a:ext cx="2275560" cy="355320"/>
+            <a:ext cx="2275200" cy="354960"/>
           </a:xfrm>
           <a:prstGeom prst="rect">
             <a:avLst/>
@@ -9548,7 +9548,7 @@
         <p:spPr>
           <a:xfrm>
             <a:off x="948240" y="2912040"/>
-            <a:ext cx="3380040" cy="358560"/>
+            <a:ext cx="3379680" cy="358200"/>
           </a:xfrm>
           <a:prstGeom prst="rect">
             <a:avLst/>
@@ -9573,8 +9573,8 @@
         </p:nvSpPr>
         <p:spPr>
           <a:xfrm flipH="1" rot="10800000">
-            <a:off x="17998920" y="11130480"/>
-            <a:ext cx="697680" cy="354240"/>
+            <a:off x="17998560" y="11130840"/>
+            <a:ext cx="697320" cy="353880"/>
           </a:xfrm>
           <a:prstGeom prst="bentUpArrow">
             <a:avLst>
@@ -9608,8 +9608,8 @@
         </p:nvSpPr>
         <p:spPr>
           <a:xfrm rot="10800000">
-            <a:off x="16094880" y="11130480"/>
-            <a:ext cx="734040" cy="354240"/>
+            <a:off x="16095240" y="11130840"/>
+            <a:ext cx="733680" cy="353880"/>
           </a:xfrm>
           <a:prstGeom prst="bentUpArrow">
             <a:avLst>
@@ -9644,7 +9644,7 @@
         <p:spPr>
           <a:xfrm>
             <a:off x="360000" y="1705680"/>
-            <a:ext cx="9170280" cy="4670280"/>
+            <a:ext cx="9169920" cy="4669920"/>
           </a:xfrm>
           <a:prstGeom prst="rect">
             <a:avLst/>
@@ -9809,7 +9809,7 @@
         <p:spPr>
           <a:xfrm>
             <a:off x="4602600" y="4135320"/>
-            <a:ext cx="1490400" cy="436320"/>
+            <a:ext cx="1490040" cy="435960"/>
           </a:xfrm>
           <a:prstGeom prst="rightArrow">
             <a:avLst>
@@ -9902,7 +9902,7 @@
         <p:spPr>
           <a:xfrm>
             <a:off x="6462720" y="3414240"/>
-            <a:ext cx="2944440" cy="2322720"/>
+            <a:ext cx="2944080" cy="2322360"/>
           </a:xfrm>
           <a:prstGeom prst="rect">
             <a:avLst/>
@@ -10134,7 +10134,7 @@
         <p:spPr>
           <a:xfrm>
             <a:off x="672840" y="2840760"/>
-            <a:ext cx="3380040" cy="358560"/>
+            <a:ext cx="3379680" cy="358200"/>
           </a:xfrm>
           <a:prstGeom prst="rect">
             <a:avLst/>
@@ -10160,7 +10160,7 @@
         <p:spPr>
           <a:xfrm>
             <a:off x="1593360" y="3609000"/>
-            <a:ext cx="2079720" cy="1080720"/>
+            <a:ext cx="2079360" cy="1080360"/>
           </a:xfrm>
           <a:prstGeom prst="diamond">
             <a:avLst/>
@@ -10224,7 +10224,7 @@
         <p:spPr>
           <a:xfrm>
             <a:off x="1746000" y="5145480"/>
-            <a:ext cx="1773720" cy="479160"/>
+            <a:ext cx="1773360" cy="478800"/>
           </a:xfrm>
           <a:prstGeom prst="flowChartPredefinedProcess">
             <a:avLst/>
@@ -10288,7 +10288,7 @@
         <p:spPr>
           <a:xfrm>
             <a:off x="2634120" y="4691880"/>
-            <a:ext cx="360" cy="451440"/>
+            <a:ext cx="360" cy="451080"/>
           </a:xfrm>
           <a:custGeom>
             <a:avLst/>
@@ -10335,8 +10335,8 @@
         </p:nvSpPr>
         <p:spPr>
           <a:xfrm rot="10800000">
-            <a:off x="1595160" y="4152960"/>
-            <a:ext cx="150840" cy="1233360"/>
+            <a:off x="1595520" y="4153320"/>
+            <a:ext cx="150480" cy="1233000"/>
           </a:xfrm>
           <a:prstGeom prst="bentConnector3">
             <a:avLst>
@@ -10438,8 +10438,8 @@
         </p:nvSpPr>
         <p:spPr>
           <a:xfrm flipH="1">
-            <a:off x="988200" y="5927400"/>
-            <a:ext cx="3240000" cy="360"/>
+            <a:off x="987480" y="5927400"/>
+            <a:ext cx="3239640" cy="360"/>
           </a:xfrm>
           <a:custGeom>
             <a:avLst/>
@@ -10487,7 +10487,7 @@
         <p:spPr>
           <a:xfrm>
             <a:off x="925200" y="2840760"/>
-            <a:ext cx="63000" cy="3535200"/>
+            <a:ext cx="62640" cy="3534840"/>
           </a:xfrm>
           <a:prstGeom prst="downArrow">
             <a:avLst>
@@ -10528,7 +10528,7 @@
         <p:spPr>
           <a:xfrm>
             <a:off x="2739960" y="4707000"/>
-            <a:ext cx="648360" cy="333000"/>
+            <a:ext cx="648000" cy="333000"/>
           </a:xfrm>
           <a:prstGeom prst="rect">
             <a:avLst/>
@@ -10580,7 +10580,7 @@
         <p:spPr>
           <a:xfrm>
             <a:off x="3581280" y="3758760"/>
-            <a:ext cx="746640" cy="333000"/>
+            <a:ext cx="746280" cy="333000"/>
           </a:xfrm>
           <a:prstGeom prst="rect">
             <a:avLst/>
@@ -10632,7 +10632,7 @@
         <p:spPr>
           <a:xfrm>
             <a:off x="325440" y="2505600"/>
-            <a:ext cx="1540080" cy="333000"/>
+            <a:ext cx="1539720" cy="333000"/>
           </a:xfrm>
           <a:prstGeom prst="rect">
             <a:avLst/>
@@ -10684,7 +10684,7 @@
         <p:spPr>
           <a:xfrm>
             <a:off x="957960" y="3333240"/>
-            <a:ext cx="1674000" cy="273600"/>
+            <a:ext cx="1673640" cy="273240"/>
           </a:xfrm>
           <a:prstGeom prst="bentConnector2">
             <a:avLst/>
@@ -10749,7 +10749,7 @@
         <p:spPr>
           <a:xfrm>
             <a:off x="360000" y="360000"/>
-            <a:ext cx="9350280" cy="890280"/>
+            <a:ext cx="9349920" cy="889920"/>
           </a:xfrm>
           <a:prstGeom prst="rect">
             <a:avLst/>
@@ -10801,7 +10801,7 @@
         <p:spPr>
           <a:xfrm>
             <a:off x="897120" y="6886080"/>
-            <a:ext cx="6437520" cy="355320"/>
+            <a:ext cx="6437160" cy="354960"/>
           </a:xfrm>
           <a:prstGeom prst="rect">
             <a:avLst/>
@@ -10853,7 +10853,7 @@
         <p:spPr>
           <a:xfrm>
             <a:off x="7608600" y="6886080"/>
-            <a:ext cx="2275560" cy="355320"/>
+            <a:ext cx="2275200" cy="354960"/>
           </a:xfrm>
           <a:prstGeom prst="rect">
             <a:avLst/>
@@ -10905,7 +10905,7 @@
         <p:spPr>
           <a:xfrm>
             <a:off x="948240" y="2912040"/>
-            <a:ext cx="3380040" cy="358560"/>
+            <a:ext cx="3379680" cy="358200"/>
           </a:xfrm>
           <a:prstGeom prst="rect">
             <a:avLst/>
@@ -10930,8 +10930,8 @@
         </p:nvSpPr>
         <p:spPr>
           <a:xfrm flipH="1" rot="10800000">
-            <a:off x="17998920" y="11130480"/>
-            <a:ext cx="697680" cy="354240"/>
+            <a:off x="17998560" y="11130840"/>
+            <a:ext cx="697320" cy="353880"/>
           </a:xfrm>
           <a:prstGeom prst="bentUpArrow">
             <a:avLst>
@@ -10965,8 +10965,8 @@
         </p:nvSpPr>
         <p:spPr>
           <a:xfrm rot="10800000">
-            <a:off x="16094880" y="11130480"/>
-            <a:ext cx="734040" cy="354240"/>
+            <a:off x="16095240" y="11130840"/>
+            <a:ext cx="733680" cy="353880"/>
           </a:xfrm>
           <a:prstGeom prst="bentUpArrow">
             <a:avLst>
@@ -11001,7 +11001,7 @@
         <p:spPr>
           <a:xfrm>
             <a:off x="360000" y="1705680"/>
-            <a:ext cx="9170280" cy="4670280"/>
+            <a:ext cx="9169920" cy="4669920"/>
           </a:xfrm>
           <a:prstGeom prst="rect">
             <a:avLst/>
@@ -11180,7 +11180,7 @@
         <p:spPr>
           <a:xfrm>
             <a:off x="4592880" y="4135320"/>
-            <a:ext cx="1490400" cy="436320"/>
+            <a:ext cx="1490040" cy="435960"/>
           </a:xfrm>
           <a:prstGeom prst="rightArrow">
             <a:avLst>
@@ -11273,7 +11273,7 @@
         <p:spPr>
           <a:xfrm>
             <a:off x="6282720" y="3006000"/>
-            <a:ext cx="3335760" cy="2731320"/>
+            <a:ext cx="3335400" cy="2730960"/>
           </a:xfrm>
           <a:prstGeom prst="rect">
             <a:avLst/>
@@ -11536,7 +11536,7 @@
         <p:spPr>
           <a:xfrm>
             <a:off x="672840" y="2840760"/>
-            <a:ext cx="3380040" cy="358560"/>
+            <a:ext cx="3379680" cy="358200"/>
           </a:xfrm>
           <a:prstGeom prst="rect">
             <a:avLst/>
@@ -11562,7 +11562,7 @@
         <p:spPr>
           <a:xfrm>
             <a:off x="1593360" y="3609000"/>
-            <a:ext cx="2079720" cy="1080720"/>
+            <a:ext cx="2079360" cy="1080360"/>
           </a:xfrm>
           <a:prstGeom prst="diamond">
             <a:avLst/>
@@ -11626,7 +11626,7 @@
         <p:spPr>
           <a:xfrm>
             <a:off x="1746000" y="5145480"/>
-            <a:ext cx="1773720" cy="479160"/>
+            <a:ext cx="1773360" cy="478800"/>
           </a:xfrm>
           <a:prstGeom prst="flowChartPredefinedProcess">
             <a:avLst/>
@@ -11690,7 +11690,7 @@
         <p:spPr>
           <a:xfrm>
             <a:off x="2634120" y="4691880"/>
-            <a:ext cx="360" cy="451440"/>
+            <a:ext cx="360" cy="451080"/>
           </a:xfrm>
           <a:custGeom>
             <a:avLst/>
@@ -11737,8 +11737,8 @@
         </p:nvSpPr>
         <p:spPr>
           <a:xfrm rot="10800000">
-            <a:off x="1595160" y="4152960"/>
-            <a:ext cx="150840" cy="1233360"/>
+            <a:off x="1595520" y="4153320"/>
+            <a:ext cx="150480" cy="1233000"/>
           </a:xfrm>
           <a:prstGeom prst="bentConnector3">
             <a:avLst>
@@ -11840,8 +11840,8 @@
         </p:nvSpPr>
         <p:spPr>
           <a:xfrm flipH="1">
-            <a:off x="988200" y="5927400"/>
-            <a:ext cx="3240000" cy="360"/>
+            <a:off x="987480" y="5927400"/>
+            <a:ext cx="3239640" cy="360"/>
           </a:xfrm>
           <a:custGeom>
             <a:avLst/>
@@ -11889,7 +11889,7 @@
         <p:spPr>
           <a:xfrm>
             <a:off x="925200" y="2840760"/>
-            <a:ext cx="63000" cy="3535200"/>
+            <a:ext cx="62640" cy="3534840"/>
           </a:xfrm>
           <a:prstGeom prst="downArrow">
             <a:avLst>
@@ -11930,7 +11930,7 @@
         <p:spPr>
           <a:xfrm>
             <a:off x="2739960" y="4707000"/>
-            <a:ext cx="648360" cy="333000"/>
+            <a:ext cx="648000" cy="333000"/>
           </a:xfrm>
           <a:prstGeom prst="rect">
             <a:avLst/>
@@ -11982,7 +11982,7 @@
         <p:spPr>
           <a:xfrm>
             <a:off x="3581280" y="3758760"/>
-            <a:ext cx="746640" cy="333000"/>
+            <a:ext cx="746280" cy="333000"/>
           </a:xfrm>
           <a:prstGeom prst="rect">
             <a:avLst/>
@@ -12034,7 +12034,7 @@
         <p:spPr>
           <a:xfrm>
             <a:off x="325440" y="2505600"/>
-            <a:ext cx="1540080" cy="333000"/>
+            <a:ext cx="1539720" cy="333000"/>
           </a:xfrm>
           <a:prstGeom prst="rect">
             <a:avLst/>
@@ -12086,7 +12086,7 @@
         <p:spPr>
           <a:xfrm>
             <a:off x="957960" y="3333240"/>
-            <a:ext cx="1674000" cy="273600"/>
+            <a:ext cx="1673640" cy="273240"/>
           </a:xfrm>
           <a:prstGeom prst="bentConnector2">
             <a:avLst/>
@@ -12151,7 +12151,7 @@
         <p:spPr>
           <a:xfrm>
             <a:off x="360000" y="360000"/>
-            <a:ext cx="9350280" cy="890280"/>
+            <a:ext cx="9349920" cy="889920"/>
           </a:xfrm>
           <a:prstGeom prst="rect">
             <a:avLst/>
@@ -12203,7 +12203,7 @@
         <p:spPr>
           <a:xfrm>
             <a:off x="897120" y="6886080"/>
-            <a:ext cx="6437520" cy="355320"/>
+            <a:ext cx="6437160" cy="354960"/>
           </a:xfrm>
           <a:prstGeom prst="rect">
             <a:avLst/>
@@ -12255,7 +12255,7 @@
         <p:spPr>
           <a:xfrm>
             <a:off x="7608600" y="6886080"/>
-            <a:ext cx="2275560" cy="355320"/>
+            <a:ext cx="2275200" cy="354960"/>
           </a:xfrm>
           <a:prstGeom prst="rect">
             <a:avLst/>
@@ -12307,7 +12307,7 @@
         <p:spPr>
           <a:xfrm>
             <a:off x="948240" y="2912040"/>
-            <a:ext cx="3380040" cy="358560"/>
+            <a:ext cx="3379680" cy="358200"/>
           </a:xfrm>
           <a:prstGeom prst="rect">
             <a:avLst/>
@@ -12332,8 +12332,8 @@
         </p:nvSpPr>
         <p:spPr>
           <a:xfrm flipH="1" rot="10800000">
-            <a:off x="17998920" y="11130480"/>
-            <a:ext cx="697680" cy="354240"/>
+            <a:off x="17998560" y="11130840"/>
+            <a:ext cx="697320" cy="353880"/>
           </a:xfrm>
           <a:prstGeom prst="bentUpArrow">
             <a:avLst>
@@ -12367,8 +12367,8 @@
         </p:nvSpPr>
         <p:spPr>
           <a:xfrm rot="10800000">
-            <a:off x="16094880" y="11130480"/>
-            <a:ext cx="734040" cy="354240"/>
+            <a:off x="16095240" y="11130840"/>
+            <a:ext cx="733680" cy="353880"/>
           </a:xfrm>
           <a:prstGeom prst="bentUpArrow">
             <a:avLst>
@@ -12403,7 +12403,7 @@
         <p:spPr>
           <a:xfrm>
             <a:off x="360000" y="1705680"/>
-            <a:ext cx="9170280" cy="4670280"/>
+            <a:ext cx="9169920" cy="4669920"/>
           </a:xfrm>
           <a:prstGeom prst="rect">
             <a:avLst/>
@@ -12519,7 +12519,7 @@
         <p:spPr>
           <a:xfrm>
             <a:off x="4651200" y="4135320"/>
-            <a:ext cx="1490400" cy="436320"/>
+            <a:ext cx="1490040" cy="435960"/>
           </a:xfrm>
           <a:prstGeom prst="rightArrow">
             <a:avLst>
@@ -12612,7 +12612,7 @@
         <p:spPr>
           <a:xfrm>
             <a:off x="6511320" y="3006000"/>
-            <a:ext cx="2944440" cy="2731320"/>
+            <a:ext cx="2944080" cy="2730960"/>
           </a:xfrm>
           <a:prstGeom prst="rect">
             <a:avLst/>
@@ -12906,7 +12906,7 @@
         <p:spPr>
           <a:xfrm>
             <a:off x="672840" y="2840760"/>
-            <a:ext cx="3380040" cy="358560"/>
+            <a:ext cx="3379680" cy="358200"/>
           </a:xfrm>
           <a:prstGeom prst="rect">
             <a:avLst/>
@@ -12932,7 +12932,7 @@
         <p:spPr>
           <a:xfrm>
             <a:off x="1593360" y="3609000"/>
-            <a:ext cx="2079720" cy="1080720"/>
+            <a:ext cx="2079360" cy="1080360"/>
           </a:xfrm>
           <a:prstGeom prst="diamond">
             <a:avLst/>
@@ -12996,7 +12996,7 @@
         <p:spPr>
           <a:xfrm>
             <a:off x="1746000" y="5145480"/>
-            <a:ext cx="1773720" cy="479160"/>
+            <a:ext cx="1773360" cy="478800"/>
           </a:xfrm>
           <a:prstGeom prst="flowChartPredefinedProcess">
             <a:avLst/>
@@ -13060,7 +13060,7 @@
         <p:spPr>
           <a:xfrm>
             <a:off x="2634120" y="4691880"/>
-            <a:ext cx="360" cy="451440"/>
+            <a:ext cx="360" cy="451080"/>
           </a:xfrm>
           <a:custGeom>
             <a:avLst/>
@@ -13107,8 +13107,8 @@
         </p:nvSpPr>
         <p:spPr>
           <a:xfrm rot="10800000">
-            <a:off x="1595160" y="4152960"/>
-            <a:ext cx="150840" cy="1233360"/>
+            <a:off x="1595520" y="4153320"/>
+            <a:ext cx="150480" cy="1233000"/>
           </a:xfrm>
           <a:prstGeom prst="bentConnector3">
             <a:avLst>
@@ -13210,8 +13210,8 @@
         </p:nvSpPr>
         <p:spPr>
           <a:xfrm flipH="1">
-            <a:off x="988200" y="5927400"/>
-            <a:ext cx="3240000" cy="360"/>
+            <a:off x="987480" y="5927400"/>
+            <a:ext cx="3239640" cy="360"/>
           </a:xfrm>
           <a:custGeom>
             <a:avLst/>
@@ -13259,7 +13259,7 @@
         <p:spPr>
           <a:xfrm>
             <a:off x="925200" y="2840760"/>
-            <a:ext cx="63000" cy="3535200"/>
+            <a:ext cx="62640" cy="3534840"/>
           </a:xfrm>
           <a:prstGeom prst="downArrow">
             <a:avLst>
@@ -13300,7 +13300,7 @@
         <p:spPr>
           <a:xfrm>
             <a:off x="2739960" y="4707000"/>
-            <a:ext cx="648360" cy="333000"/>
+            <a:ext cx="648000" cy="333000"/>
           </a:xfrm>
           <a:prstGeom prst="rect">
             <a:avLst/>
@@ -13352,7 +13352,7 @@
         <p:spPr>
           <a:xfrm>
             <a:off x="3581280" y="3758760"/>
-            <a:ext cx="746640" cy="333000"/>
+            <a:ext cx="746280" cy="333000"/>
           </a:xfrm>
           <a:prstGeom prst="rect">
             <a:avLst/>
@@ -13404,7 +13404,7 @@
         <p:spPr>
           <a:xfrm>
             <a:off x="325440" y="2505600"/>
-            <a:ext cx="1540080" cy="333000"/>
+            <a:ext cx="1539720" cy="333000"/>
           </a:xfrm>
           <a:prstGeom prst="rect">
             <a:avLst/>
@@ -13456,7 +13456,7 @@
         <p:spPr>
           <a:xfrm>
             <a:off x="957960" y="3333240"/>
-            <a:ext cx="1674000" cy="273600"/>
+            <a:ext cx="1673640" cy="273240"/>
           </a:xfrm>
           <a:prstGeom prst="bentConnector2">
             <a:avLst/>
@@ -13521,7 +13521,7 @@
         <p:spPr>
           <a:xfrm>
             <a:off x="360000" y="360000"/>
-            <a:ext cx="9350280" cy="890280"/>
+            <a:ext cx="9349920" cy="889920"/>
           </a:xfrm>
           <a:prstGeom prst="rect">
             <a:avLst/>
@@ -13573,7 +13573,7 @@
         <p:spPr>
           <a:xfrm>
             <a:off x="897120" y="6886080"/>
-            <a:ext cx="6437520" cy="355320"/>
+            <a:ext cx="6437160" cy="354960"/>
           </a:xfrm>
           <a:prstGeom prst="rect">
             <a:avLst/>
@@ -13625,7 +13625,7 @@
         <p:spPr>
           <a:xfrm>
             <a:off x="7608600" y="6886080"/>
-            <a:ext cx="2275560" cy="355320"/>
+            <a:ext cx="2275200" cy="354960"/>
           </a:xfrm>
           <a:prstGeom prst="rect">
             <a:avLst/>
@@ -13676,8 +13676,8 @@
         </p:nvSpPr>
         <p:spPr>
           <a:xfrm flipH="1" rot="10800000">
-            <a:off x="17998920" y="11130480"/>
-            <a:ext cx="697680" cy="354240"/>
+            <a:off x="17998560" y="11130840"/>
+            <a:ext cx="697320" cy="353880"/>
           </a:xfrm>
           <a:prstGeom prst="bentUpArrow">
             <a:avLst>
@@ -13711,8 +13711,8 @@
         </p:nvSpPr>
         <p:spPr>
           <a:xfrm rot="10800000">
-            <a:off x="16094880" y="11130480"/>
-            <a:ext cx="734040" cy="354240"/>
+            <a:off x="16095240" y="11130840"/>
+            <a:ext cx="733680" cy="353880"/>
           </a:xfrm>
           <a:prstGeom prst="bentUpArrow">
             <a:avLst>
@@ -13747,7 +13747,7 @@
         <p:spPr>
           <a:xfrm>
             <a:off x="360000" y="1705680"/>
-            <a:ext cx="9170280" cy="4670280"/>
+            <a:ext cx="9169920" cy="4669920"/>
           </a:xfrm>
           <a:prstGeom prst="rect">
             <a:avLst/>
@@ -14167,7 +14167,7 @@
         <p:spPr>
           <a:xfrm>
             <a:off x="360000" y="360000"/>
-            <a:ext cx="9350280" cy="890280"/>
+            <a:ext cx="9349920" cy="889920"/>
           </a:xfrm>
           <a:prstGeom prst="rect">
             <a:avLst/>
@@ -14219,7 +14219,7 @@
         <p:spPr>
           <a:xfrm>
             <a:off x="897120" y="6886080"/>
-            <a:ext cx="6437520" cy="355320"/>
+            <a:ext cx="6437160" cy="354960"/>
           </a:xfrm>
           <a:prstGeom prst="rect">
             <a:avLst/>
@@ -14271,7 +14271,7 @@
         <p:spPr>
           <a:xfrm>
             <a:off x="7608600" y="6886080"/>
-            <a:ext cx="2275560" cy="355320"/>
+            <a:ext cx="2275200" cy="354960"/>
           </a:xfrm>
           <a:prstGeom prst="rect">
             <a:avLst/>
@@ -14323,7 +14323,7 @@
         <p:spPr>
           <a:xfrm>
             <a:off x="4026600" y="2912040"/>
-            <a:ext cx="3380040" cy="358560"/>
+            <a:ext cx="3379680" cy="358200"/>
           </a:xfrm>
           <a:prstGeom prst="rect">
             <a:avLst/>
@@ -14348,8 +14348,8 @@
         </p:nvSpPr>
         <p:spPr>
           <a:xfrm flipH="1" rot="16200000">
-            <a:off x="2737800" y="4174560"/>
-            <a:ext cx="398520" cy="1755000"/>
+            <a:off x="2738160" y="4174560"/>
+            <a:ext cx="398160" cy="1754640"/>
           </a:xfrm>
           <a:prstGeom prst="bentUpArrow">
             <a:avLst>
@@ -14384,7 +14384,7 @@
         <p:spPr>
           <a:xfrm>
             <a:off x="503640" y="1731240"/>
-            <a:ext cx="9170640" cy="4746960"/>
+            <a:ext cx="9170280" cy="4746600"/>
           </a:xfrm>
           <a:prstGeom prst="rect">
             <a:avLst/>
@@ -14475,37 +14475,7 @@
                 <a:latin typeface="Latin Modern Sans"/>
                 <a:ea typeface="DejaVu Sans"/>
               </a:rPr>
-              <a:t>Exercícios de Fixação</a:t>
-            </a:r>
-            <a:endParaRPr b="0" lang="pt-BR" sz="1800" spc="-1" strike="noStrike">
-              <a:latin typeface="Arial"/>
-            </a:endParaRPr>
-          </a:p>
-          <a:p>
-            <a:pPr lvl="1" marL="673200" indent="-278280">
-              <a:lnSpc>
-                <a:spcPct val="100000"/>
-              </a:lnSpc>
-              <a:spcAft>
-                <a:spcPts val="1140"/>
-              </a:spcAft>
-              <a:buClr>
-                <a:srgbClr val="000000"/>
-              </a:buClr>
-              <a:buSzPct val="45000"/>
-              <a:buFont typeface="Arial"/>
-              <a:buChar char="•"/>
-            </a:pPr>
-            <a:r>
-              <a:rPr b="0" lang="pt-BR" sz="1800" spc="-1" strike="noStrike" u="sng">
-                <a:solidFill>
-                  <a:srgbClr val="0000ff"/>
-                </a:solidFill>
-                <a:uFillTx/>
-                <a:latin typeface="Latin Modern Sans"/>
-                <a:ea typeface="DejaVu Sans"/>
-              </a:rPr>
-              <a:t>Tópico 04</a:t>
+              <a:t>Exercícios de Fixação: Tópico 04 – Exercícios de Fixação</a:t>
             </a:r>
             <a:endParaRPr b="0" lang="pt-BR" sz="1800" spc="-1" strike="noStrike">
               <a:latin typeface="Arial"/>
